--- a/Containers Demystified.pptx
+++ b/Containers Demystified.pptx
@@ -5,10 +5,10 @@
     <p:sldMasterId id="2147483648" r:id="rId2"/>
   </p:sldMasterIdLst>
   <p:notesMasterIdLst>
-    <p:notesMasterId r:id="rId25"/>
+    <p:notesMasterId r:id="rId26"/>
   </p:notesMasterIdLst>
   <p:handoutMasterIdLst>
-    <p:handoutMasterId r:id="rId26"/>
+    <p:handoutMasterId r:id="rId27"/>
   </p:handoutMasterIdLst>
   <p:sldIdLst>
     <p:sldId id="265" r:id="rId3"/>
@@ -26,18 +26,19 @@
     <p:sldId id="327" r:id="rId15"/>
     <p:sldId id="328" r:id="rId16"/>
     <p:sldId id="329" r:id="rId17"/>
-    <p:sldId id="331" r:id="rId18"/>
-    <p:sldId id="332" r:id="rId19"/>
-    <p:sldId id="333" r:id="rId20"/>
-    <p:sldId id="334" r:id="rId21"/>
-    <p:sldId id="335" r:id="rId22"/>
-    <p:sldId id="336" r:id="rId23"/>
-    <p:sldId id="337" r:id="rId24"/>
+    <p:sldId id="338" r:id="rId18"/>
+    <p:sldId id="331" r:id="rId19"/>
+    <p:sldId id="332" r:id="rId20"/>
+    <p:sldId id="333" r:id="rId21"/>
+    <p:sldId id="334" r:id="rId22"/>
+    <p:sldId id="335" r:id="rId23"/>
+    <p:sldId id="336" r:id="rId24"/>
+    <p:sldId id="337" r:id="rId25"/>
   </p:sldIdLst>
   <p:sldSz cx="12188825" cy="6858000"/>
   <p:notesSz cx="6858000" cy="9144000"/>
   <p:custDataLst>
-    <p:tags r:id="rId27"/>
+    <p:tags r:id="rId28"/>
   </p:custDataLst>
   <p:defaultTextStyle>
     <a:defPPr>
@@ -838,6 +839,90 @@
     </p:spTree>
     <p:extLst>
       <p:ext uri="{BB962C8B-B14F-4D97-AF65-F5344CB8AC3E}">
+        <p14:creationId xmlns:p14="http://schemas.microsoft.com/office/powerpoint/2010/main" val="1522006628"/>
+      </p:ext>
+    </p:extLst>
+  </p:cSld>
+  <p:clrMapOvr>
+    <a:masterClrMapping/>
+  </p:clrMapOvr>
+</p:notes>
+</file>
+
+<file path=ppt/notesSlides/notesSlide11.xml><?xml version="1.0" encoding="utf-8"?>
+<p:notes xmlns:a="http://schemas.openxmlformats.org/drawingml/2006/main" xmlns:r="http://schemas.openxmlformats.org/officeDocument/2006/relationships" xmlns:p="http://schemas.openxmlformats.org/presentationml/2006/main">
+  <p:cSld>
+    <p:spTree>
+      <p:nvGrpSpPr>
+        <p:cNvPr id="1" name=""/>
+        <p:cNvGrpSpPr/>
+        <p:nvPr/>
+      </p:nvGrpSpPr>
+      <p:grpSpPr>
+        <a:xfrm>
+          <a:off x="0" y="0"/>
+          <a:ext cx="0" cy="0"/>
+          <a:chOff x="0" y="0"/>
+          <a:chExt cx="0" cy="0"/>
+        </a:xfrm>
+      </p:grpSpPr>
+      <p:sp>
+        <p:nvSpPr>
+          <p:cNvPr id="2" name="Slide Image Placeholder 1"/>
+          <p:cNvSpPr>
+            <a:spLocks noGrp="1" noRot="1" noChangeAspect="1"/>
+          </p:cNvSpPr>
+          <p:nvPr>
+            <p:ph type="sldImg"/>
+          </p:nvPr>
+        </p:nvSpPr>
+        <p:spPr/>
+      </p:sp>
+      <p:sp>
+        <p:nvSpPr>
+          <p:cNvPr id="3" name="Notes Placeholder 2"/>
+          <p:cNvSpPr>
+            <a:spLocks noGrp="1"/>
+          </p:cNvSpPr>
+          <p:nvPr>
+            <p:ph type="body" idx="1"/>
+          </p:nvPr>
+        </p:nvSpPr>
+        <p:spPr/>
+        <p:txBody>
+          <a:bodyPr/>
+          <a:lstStyle/>
+          <a:p>
+            <a:endParaRPr lang="en-US" dirty="0"/>
+          </a:p>
+        </p:txBody>
+      </p:sp>
+      <p:sp>
+        <p:nvSpPr>
+          <p:cNvPr id="4" name="Slide Number Placeholder 3"/>
+          <p:cNvSpPr>
+            <a:spLocks noGrp="1"/>
+          </p:cNvSpPr>
+          <p:nvPr>
+            <p:ph type="sldNum" sz="quarter" idx="10"/>
+          </p:nvPr>
+        </p:nvSpPr>
+        <p:spPr/>
+        <p:txBody>
+          <a:bodyPr/>
+          <a:lstStyle/>
+          <a:p>
+            <a:fld id="{F93199CD-3E1B-4AE6-990F-76F925F5EA9F}" type="slidenum">
+              <a:rPr lang="en-US" smtClean="0"/>
+              <a:t>23</a:t>
+            </a:fld>
+            <a:endParaRPr lang="en-US"/>
+          </a:p>
+        </p:txBody>
+      </p:sp>
+    </p:spTree>
+    <p:extLst>
+      <p:ext uri="{BB962C8B-B14F-4D97-AF65-F5344CB8AC3E}">
         <p14:creationId xmlns:p14="http://schemas.microsoft.com/office/powerpoint/2010/main" val="4047187854"/>
       </p:ext>
     </p:extLst>
@@ -1098,7 +1183,7 @@
     </p:spTree>
     <p:extLst>
       <p:ext uri="{BB962C8B-B14F-4D97-AF65-F5344CB8AC3E}">
-        <p14:creationId xmlns:p14="http://schemas.microsoft.com/office/powerpoint/2010/main" val="3516301501"/>
+        <p14:creationId xmlns:p14="http://schemas.microsoft.com/office/powerpoint/2010/main" val="162519669"/>
       </p:ext>
     </p:extLst>
   </p:cSld>
@@ -1182,7 +1267,7 @@
     </p:spTree>
     <p:extLst>
       <p:ext uri="{BB962C8B-B14F-4D97-AF65-F5344CB8AC3E}">
-        <p14:creationId xmlns:p14="http://schemas.microsoft.com/office/powerpoint/2010/main" val="2430365715"/>
+        <p14:creationId xmlns:p14="http://schemas.microsoft.com/office/powerpoint/2010/main" val="3516301501"/>
       </p:ext>
     </p:extLst>
   </p:cSld>
@@ -1266,7 +1351,7 @@
     </p:spTree>
     <p:extLst>
       <p:ext uri="{BB962C8B-B14F-4D97-AF65-F5344CB8AC3E}">
-        <p14:creationId xmlns:p14="http://schemas.microsoft.com/office/powerpoint/2010/main" val="2246662878"/>
+        <p14:creationId xmlns:p14="http://schemas.microsoft.com/office/powerpoint/2010/main" val="2430365715"/>
       </p:ext>
     </p:extLst>
   </p:cSld>
@@ -1350,7 +1435,7 @@
     </p:spTree>
     <p:extLst>
       <p:ext uri="{BB962C8B-B14F-4D97-AF65-F5344CB8AC3E}">
-        <p14:creationId xmlns:p14="http://schemas.microsoft.com/office/powerpoint/2010/main" val="1075438659"/>
+        <p14:creationId xmlns:p14="http://schemas.microsoft.com/office/powerpoint/2010/main" val="2246662878"/>
       </p:ext>
     </p:extLst>
   </p:cSld>
@@ -1434,7 +1519,7 @@
     </p:spTree>
     <p:extLst>
       <p:ext uri="{BB962C8B-B14F-4D97-AF65-F5344CB8AC3E}">
-        <p14:creationId xmlns:p14="http://schemas.microsoft.com/office/powerpoint/2010/main" val="995059235"/>
+        <p14:creationId xmlns:p14="http://schemas.microsoft.com/office/powerpoint/2010/main" val="1075438659"/>
       </p:ext>
     </p:extLst>
   </p:cSld>
@@ -1518,7 +1603,7 @@
     </p:spTree>
     <p:extLst>
       <p:ext uri="{BB962C8B-B14F-4D97-AF65-F5344CB8AC3E}">
-        <p14:creationId xmlns:p14="http://schemas.microsoft.com/office/powerpoint/2010/main" val="1522006628"/>
+        <p14:creationId xmlns:p14="http://schemas.microsoft.com/office/powerpoint/2010/main" val="995059235"/>
       </p:ext>
     </p:extLst>
   </p:cSld>
@@ -6878,6 +6963,388 @@
               <a:rPr lang="en-US" dirty="0" smtClean="0">
                 <a:effectLst/>
               </a:rPr>
+              <a:t>The how</a:t>
+            </a:r>
+            <a:endParaRPr dirty="0"/>
+          </a:p>
+        </p:txBody>
+      </p:sp>
+      <p:sp>
+        <p:nvSpPr>
+          <p:cNvPr id="11" name="TextBox 10"/>
+          <p:cNvSpPr txBox="1"/>
+          <p:nvPr/>
+        </p:nvSpPr>
+        <p:spPr>
+          <a:xfrm>
+            <a:off x="1979612" y="1230868"/>
+            <a:ext cx="9525000" cy="369332"/>
+          </a:xfrm>
+          <a:prstGeom prst="rect">
+            <a:avLst/>
+          </a:prstGeom>
+          <a:noFill/>
+        </p:spPr>
+        <p:txBody>
+          <a:bodyPr wrap="square" rtlCol="0">
+            <a:spAutoFit/>
+          </a:bodyPr>
+          <a:lstStyle/>
+          <a:p>
+            <a:pPr marL="742950" lvl="1" indent="-285750">
+              <a:buFont typeface="Arial" panose="020B0604020202020204" pitchFamily="34" charset="0"/>
+              <a:buChar char="•"/>
+            </a:pPr>
+            <a:r>
+              <a:rPr lang="en-US" dirty="0" smtClean="0"/>
+              <a:t>Port mapping is very important</a:t>
+            </a:r>
+            <a:endParaRPr lang="en-US" dirty="0" smtClean="0"/>
+          </a:p>
+        </p:txBody>
+      </p:sp>
+      <p:sp>
+        <p:nvSpPr>
+          <p:cNvPr id="3" name="Rectangle 2"/>
+          <p:cNvSpPr/>
+          <p:nvPr/>
+        </p:nvSpPr>
+        <p:spPr>
+          <a:xfrm>
+            <a:off x="2517287" y="2130780"/>
+            <a:ext cx="7239000" cy="4360818"/>
+          </a:xfrm>
+          <a:prstGeom prst="rect">
+            <a:avLst/>
+          </a:prstGeom>
+        </p:spPr>
+        <p:style>
+          <a:lnRef idx="2">
+            <a:schemeClr val="accent4">
+              <a:shade val="50000"/>
+            </a:schemeClr>
+          </a:lnRef>
+          <a:fillRef idx="1">
+            <a:schemeClr val="accent4"/>
+          </a:fillRef>
+          <a:effectRef idx="0">
+            <a:schemeClr val="accent4"/>
+          </a:effectRef>
+          <a:fontRef idx="minor">
+            <a:schemeClr val="lt1"/>
+          </a:fontRef>
+        </p:style>
+        <p:txBody>
+          <a:bodyPr rtlCol="0" anchor="ctr"/>
+          <a:lstStyle/>
+          <a:p>
+            <a:pPr algn="ctr"/>
+            <a:endParaRPr lang="en-US">
+              <a:ln w="0"/>
+              <a:solidFill>
+                <a:schemeClr val="accent1"/>
+              </a:solidFill>
+              <a:effectLst>
+                <a:outerShdw blurRad="38100" dist="25400" dir="5400000" algn="ctr" rotWithShape="0">
+                  <a:srgbClr val="6E747A">
+                    <a:alpha val="43000"/>
+                  </a:srgbClr>
+                </a:outerShdw>
+              </a:effectLst>
+            </a:endParaRPr>
+          </a:p>
+        </p:txBody>
+      </p:sp>
+      <p:sp>
+        <p:nvSpPr>
+          <p:cNvPr id="5" name="TextBox 4"/>
+          <p:cNvSpPr txBox="1"/>
+          <p:nvPr/>
+        </p:nvSpPr>
+        <p:spPr>
+          <a:xfrm>
+            <a:off x="5294312" y="1749725"/>
+            <a:ext cx="2514600" cy="369332"/>
+          </a:xfrm>
+          <a:prstGeom prst="rect">
+            <a:avLst/>
+          </a:prstGeom>
+          <a:noFill/>
+        </p:spPr>
+        <p:txBody>
+          <a:bodyPr wrap="square" rtlCol="0">
+            <a:spAutoFit/>
+          </a:bodyPr>
+          <a:lstStyle/>
+          <a:p>
+            <a:r>
+              <a:rPr lang="en-US" dirty="0" smtClean="0"/>
+              <a:t>Docker Host</a:t>
+            </a:r>
+            <a:endParaRPr lang="en-US" dirty="0"/>
+          </a:p>
+        </p:txBody>
+      </p:sp>
+      <p:cxnSp>
+        <p:nvCxnSpPr>
+          <p:cNvPr id="8" name="Straight Arrow Connector 7"/>
+          <p:cNvCxnSpPr>
+            <a:stCxn id="6" idx="1"/>
+          </p:cNvCxnSpPr>
+          <p:nvPr/>
+        </p:nvCxnSpPr>
+        <p:spPr>
+          <a:xfrm flipH="1">
+            <a:off x="3305664" y="3416656"/>
+            <a:ext cx="1371598" cy="489411"/>
+          </a:xfrm>
+          <a:prstGeom prst="straightConnector1">
+            <a:avLst/>
+          </a:prstGeom>
+          <a:ln w="120650">
+            <a:tailEnd type="triangle"/>
+          </a:ln>
+        </p:spPr>
+        <p:style>
+          <a:lnRef idx="1">
+            <a:schemeClr val="accent1"/>
+          </a:lnRef>
+          <a:fillRef idx="0">
+            <a:schemeClr val="accent1"/>
+          </a:fillRef>
+          <a:effectRef idx="0">
+            <a:schemeClr val="accent1"/>
+          </a:effectRef>
+          <a:fontRef idx="minor">
+            <a:schemeClr val="tx1"/>
+          </a:fontRef>
+        </p:style>
+      </p:cxnSp>
+      <p:sp>
+        <p:nvSpPr>
+          <p:cNvPr id="9" name="TextBox 8"/>
+          <p:cNvSpPr txBox="1"/>
+          <p:nvPr/>
+        </p:nvSpPr>
+        <p:spPr>
+          <a:xfrm>
+            <a:off x="4181962" y="2156992"/>
+            <a:ext cx="2378529" cy="369332"/>
+          </a:xfrm>
+          <a:prstGeom prst="rect">
+            <a:avLst/>
+          </a:prstGeom>
+          <a:noFill/>
+        </p:spPr>
+        <p:txBody>
+          <a:bodyPr wrap="square" rtlCol="0">
+            <a:spAutoFit/>
+          </a:bodyPr>
+          <a:lstStyle/>
+          <a:p>
+            <a:r>
+              <a:rPr lang="en-US" dirty="0" smtClean="0"/>
+              <a:t>Host </a:t>
+            </a:r>
+            <a:r>
+              <a:rPr lang="en-US" dirty="0" err="1" smtClean="0"/>
+              <a:t>Port:xyz</a:t>
+            </a:r>
+            <a:endParaRPr lang="en-US" dirty="0"/>
+          </a:p>
+        </p:txBody>
+      </p:sp>
+      <p:sp>
+        <p:nvSpPr>
+          <p:cNvPr id="10" name="Round Diagonal Corner Rectangle 9"/>
+          <p:cNvSpPr/>
+          <p:nvPr/>
+        </p:nvSpPr>
+        <p:spPr>
+          <a:xfrm>
+            <a:off x="2665412" y="2545593"/>
+            <a:ext cx="6359979" cy="3394161"/>
+          </a:xfrm>
+          <a:prstGeom prst="round2DiagRect">
+            <a:avLst/>
+          </a:prstGeom>
+        </p:spPr>
+        <p:style>
+          <a:lnRef idx="2">
+            <a:schemeClr val="accent2">
+              <a:shade val="50000"/>
+            </a:schemeClr>
+          </a:lnRef>
+          <a:fillRef idx="1">
+            <a:schemeClr val="accent2"/>
+          </a:fillRef>
+          <a:effectRef idx="0">
+            <a:schemeClr val="accent2"/>
+          </a:effectRef>
+          <a:fontRef idx="minor">
+            <a:schemeClr val="lt1"/>
+          </a:fontRef>
+        </p:style>
+        <p:txBody>
+          <a:bodyPr rtlCol="0" anchor="ctr"/>
+          <a:lstStyle/>
+          <a:p>
+            <a:pPr algn="ctr"/>
+            <a:endParaRPr lang="en-US"/>
+          </a:p>
+        </p:txBody>
+      </p:sp>
+      <p:sp>
+        <p:nvSpPr>
+          <p:cNvPr id="6" name="TextBox 5"/>
+          <p:cNvSpPr txBox="1"/>
+          <p:nvPr/>
+        </p:nvSpPr>
+        <p:spPr>
+          <a:xfrm>
+            <a:off x="4677262" y="3231990"/>
+            <a:ext cx="3412671" cy="369332"/>
+          </a:xfrm>
+          <a:prstGeom prst="rect">
+            <a:avLst/>
+          </a:prstGeom>
+          <a:noFill/>
+        </p:spPr>
+        <p:txBody>
+          <a:bodyPr wrap="square" rtlCol="0">
+            <a:spAutoFit/>
+          </a:bodyPr>
+          <a:lstStyle/>
+          <a:p>
+            <a:r>
+              <a:rPr lang="en-US" dirty="0" smtClean="0"/>
+              <a:t>Cotnainer1:abc</a:t>
+            </a:r>
+            <a:endParaRPr lang="en-US" dirty="0"/>
+          </a:p>
+        </p:txBody>
+      </p:sp>
+      <p:cxnSp>
+        <p:nvCxnSpPr>
+          <p:cNvPr id="13" name="Straight Arrow Connector 12"/>
+          <p:cNvCxnSpPr>
+            <a:stCxn id="6" idx="0"/>
+          </p:cNvCxnSpPr>
+          <p:nvPr/>
+        </p:nvCxnSpPr>
+        <p:spPr>
+          <a:xfrm flipH="1" flipV="1">
+            <a:off x="5260488" y="2390832"/>
+            <a:ext cx="1123110" cy="841158"/>
+          </a:xfrm>
+          <a:prstGeom prst="straightConnector1">
+            <a:avLst/>
+          </a:prstGeom>
+          <a:ln w="76200">
+            <a:headEnd type="triangle"/>
+            <a:tailEnd type="triangle"/>
+          </a:ln>
+        </p:spPr>
+        <p:style>
+          <a:lnRef idx="1">
+            <a:schemeClr val="accent1"/>
+          </a:lnRef>
+          <a:fillRef idx="0">
+            <a:schemeClr val="accent1"/>
+          </a:fillRef>
+          <a:effectRef idx="0">
+            <a:schemeClr val="accent1"/>
+          </a:effectRef>
+          <a:fontRef idx="minor">
+            <a:schemeClr val="tx1"/>
+          </a:fontRef>
+        </p:style>
+      </p:cxnSp>
+    </p:spTree>
+    <p:extLst>
+      <p:ext uri="{BB962C8B-B14F-4D97-AF65-F5344CB8AC3E}">
+        <p14:creationId xmlns:p14="http://schemas.microsoft.com/office/powerpoint/2010/main" val="3937078965"/>
+      </p:ext>
+    </p:extLst>
+  </p:cSld>
+  <p:clrMapOvr>
+    <a:masterClrMapping/>
+  </p:clrMapOvr>
+  <mc:AlternateContent xmlns:mc="http://schemas.openxmlformats.org/markup-compatibility/2006" xmlns:p14="http://schemas.microsoft.com/office/powerpoint/2010/main">
+    <mc:Choice Requires="p14">
+      <p:transition spd="med" p14:dur="700">
+        <p:fade/>
+      </p:transition>
+    </mc:Choice>
+    <mc:Fallback xmlns="">
+      <p:transition spd="med">
+        <p:fade/>
+      </p:transition>
+    </mc:Fallback>
+  </mc:AlternateContent>
+  <p:timing>
+    <p:tnLst>
+      <p:par>
+        <p:cTn id="1" dur="indefinite" restart="never" nodeType="tmRoot"/>
+      </p:par>
+    </p:tnLst>
+  </p:timing>
+</p:sld>
+</file>
+
+<file path=ppt/slides/slide17.xml><?xml version="1.0" encoding="utf-8"?>
+<p:sld xmlns:a="http://schemas.openxmlformats.org/drawingml/2006/main" xmlns:r="http://schemas.openxmlformats.org/officeDocument/2006/relationships" xmlns:p="http://schemas.openxmlformats.org/presentationml/2006/main">
+  <p:cSld>
+    <p:spTree>
+      <p:nvGrpSpPr>
+        <p:cNvPr id="1" name=""/>
+        <p:cNvGrpSpPr/>
+        <p:nvPr/>
+      </p:nvGrpSpPr>
+      <p:grpSpPr>
+        <a:xfrm>
+          <a:off x="0" y="0"/>
+          <a:ext cx="0" cy="0"/>
+          <a:chOff x="0" y="0"/>
+          <a:chExt cx="0" cy="0"/>
+        </a:xfrm>
+      </p:grpSpPr>
+      <p:sp>
+        <p:nvSpPr>
+          <p:cNvPr id="2" name="Title 1"/>
+          <p:cNvSpPr>
+            <a:spLocks noGrp="1"/>
+          </p:cNvSpPr>
+          <p:nvPr>
+            <p:ph type="title"/>
+          </p:nvPr>
+        </p:nvSpPr>
+        <p:spPr/>
+        <p:txBody>
+          <a:bodyPr anchor="t"/>
+          <a:lstStyle/>
+          <a:p>
+            <a:r>
+              <a:rPr lang="en-US" dirty="0"/>
+              <a:t>Containers </a:t>
+            </a:r>
+            <a:r>
+              <a:rPr lang="en-US" dirty="0" smtClean="0">
+                <a:effectLst>
+                  <a:glow rad="139700">
+                    <a:schemeClr val="accent1">
+                      <a:satMod val="175000"/>
+                      <a:alpha val="40000"/>
+                    </a:schemeClr>
+                  </a:glow>
+                </a:effectLst>
+              </a:rPr>
+              <a:t>Demystified: </a:t>
+            </a:r>
+            <a:r>
+              <a:rPr lang="en-US" dirty="0" smtClean="0">
+                <a:effectLst/>
+              </a:rPr>
               <a:t>The how : </a:t>
             </a:r>
             <a:r>
@@ -7050,7 +7517,7 @@
 </p:sld>
 </file>
 
-<file path=ppt/slides/slide17.xml><?xml version="1.0" encoding="utf-8"?>
+<file path=ppt/slides/slide18.xml><?xml version="1.0" encoding="utf-8"?>
 <p:sld xmlns:a="http://schemas.openxmlformats.org/drawingml/2006/main" xmlns:r="http://schemas.openxmlformats.org/officeDocument/2006/relationships" xmlns:p="http://schemas.openxmlformats.org/presentationml/2006/main">
   <p:cSld>
     <p:spTree>
@@ -7331,7 +7798,7 @@
 </p:sld>
 </file>
 
-<file path=ppt/slides/slide18.xml><?xml version="1.0" encoding="utf-8"?>
+<file path=ppt/slides/slide19.xml><?xml version="1.0" encoding="utf-8"?>
 <p:sld xmlns:a="http://schemas.openxmlformats.org/drawingml/2006/main" xmlns:r="http://schemas.openxmlformats.org/officeDocument/2006/relationships" xmlns:p="http://schemas.openxmlformats.org/presentationml/2006/main">
   <p:cSld>
     <p:spTree>
@@ -7464,7 +7931,144 @@
 </p:sld>
 </file>
 
-<file path=ppt/slides/slide19.xml><?xml version="1.0" encoding="utf-8"?>
+<file path=ppt/slides/slide2.xml><?xml version="1.0" encoding="utf-8"?>
+<p:sld xmlns:a="http://schemas.openxmlformats.org/drawingml/2006/main" xmlns:r="http://schemas.openxmlformats.org/officeDocument/2006/relationships" xmlns:p="http://schemas.openxmlformats.org/presentationml/2006/main">
+  <p:cSld>
+    <p:spTree>
+      <p:nvGrpSpPr>
+        <p:cNvPr id="1" name=""/>
+        <p:cNvGrpSpPr/>
+        <p:nvPr/>
+      </p:nvGrpSpPr>
+      <p:grpSpPr>
+        <a:xfrm>
+          <a:off x="0" y="0"/>
+          <a:ext cx="0" cy="0"/>
+          <a:chOff x="0" y="0"/>
+          <a:chExt cx="0" cy="0"/>
+        </a:xfrm>
+      </p:grpSpPr>
+      <p:sp>
+        <p:nvSpPr>
+          <p:cNvPr id="13" name="Title 12"/>
+          <p:cNvSpPr>
+            <a:spLocks noGrp="1"/>
+          </p:cNvSpPr>
+          <p:nvPr>
+            <p:ph type="title"/>
+          </p:nvPr>
+        </p:nvSpPr>
+        <p:spPr>
+          <a:xfrm>
+            <a:off x="1979612" y="381000"/>
+            <a:ext cx="9144001" cy="1143000"/>
+          </a:xfrm>
+        </p:spPr>
+        <p:txBody>
+          <a:bodyPr anchor="t">
+            <a:noAutofit/>
+          </a:bodyPr>
+          <a:lstStyle/>
+          <a:p>
+            <a:r>
+              <a:rPr lang="en-US" dirty="0" smtClean="0"/>
+              <a:t>Containers </a:t>
+            </a:r>
+            <a:r>
+              <a:rPr lang="en-US" dirty="0" smtClean="0">
+                <a:effectLst>
+                  <a:glow rad="139700">
+                    <a:schemeClr val="accent1">
+                      <a:satMod val="175000"/>
+                      <a:alpha val="40000"/>
+                    </a:schemeClr>
+                  </a:glow>
+                </a:effectLst>
+              </a:rPr>
+              <a:t>Demystified</a:t>
+            </a:r>
+            <a:r>
+              <a:rPr lang="en-US" dirty="0" smtClean="0"/>
+              <a:t>: The why, and the what</a:t>
+            </a:r>
+            <a:endParaRPr lang="en-US" dirty="0"/>
+          </a:p>
+        </p:txBody>
+      </p:sp>
+      <p:sp>
+        <p:nvSpPr>
+          <p:cNvPr id="14" name="Content Placeholder 13"/>
+          <p:cNvSpPr>
+            <a:spLocks noGrp="1"/>
+          </p:cNvSpPr>
+          <p:nvPr>
+            <p:ph idx="1"/>
+          </p:nvPr>
+        </p:nvSpPr>
+        <p:spPr/>
+        <p:txBody>
+          <a:bodyPr/>
+          <a:lstStyle/>
+          <a:p>
+            <a:r>
+              <a:rPr lang="en-US" dirty="0" smtClean="0"/>
+              <a:t>Why do we need containers for building and shipping applications?</a:t>
+            </a:r>
+          </a:p>
+          <a:p>
+            <a:r>
+              <a:rPr lang="en-US" dirty="0" smtClean="0"/>
+              <a:t>What are containers?  This problem has been solved a myriad of different ways, what makes Docker and similar technologies different?</a:t>
+            </a:r>
+          </a:p>
+          <a:p>
+            <a:r>
+              <a:rPr lang="en-US" dirty="0" smtClean="0"/>
+              <a:t>How do you use containers? When do you use containers?</a:t>
+            </a:r>
+          </a:p>
+          <a:p>
+            <a:r>
+              <a:rPr lang="en-US" dirty="0" smtClean="0"/>
+              <a:t>Are you tired of the word “containers” yet?  You will be.</a:t>
+            </a:r>
+            <a:endParaRPr lang="en-US" dirty="0"/>
+          </a:p>
+        </p:txBody>
+      </p:sp>
+    </p:spTree>
+    <p:extLst>
+      <p:ext uri="{BB962C8B-B14F-4D97-AF65-F5344CB8AC3E}">
+        <p14:creationId xmlns:p14="http://schemas.microsoft.com/office/powerpoint/2010/main" val="3743687727"/>
+      </p:ext>
+    </p:extLst>
+  </p:cSld>
+  <p:clrMapOvr>
+    <a:masterClrMapping/>
+  </p:clrMapOvr>
+  <mc:AlternateContent xmlns:mc="http://schemas.openxmlformats.org/markup-compatibility/2006" xmlns:p14="http://schemas.microsoft.com/office/powerpoint/2010/main">
+    <mc:Choice Requires="p14">
+      <p:transition spd="med" p14:dur="700">
+        <p:fade/>
+      </p:transition>
+    </mc:Choice>
+    <mc:Fallback xmlns="">
+      <p:transition spd="med">
+        <p:fade/>
+      </p:transition>
+    </mc:Fallback>
+  </mc:AlternateContent>
+  <p:timing>
+    <p:tnLst>
+      <p:par>
+        <p:cTn id="1" dur="indefinite" restart="never" nodeType="tmRoot"/>
+      </p:par>
+    </p:tnLst>
+  </p:timing>
+</p:sld>
+</file>
+
+<file path=ppt/slides/slide20.xml><?xml version="1.0" encoding="utf-8"?>
 <p:sld xmlns:a="http://schemas.openxmlformats.org/drawingml/2006/main" xmlns:r="http://schemas.openxmlformats.org/officeDocument/2006/relationships" xmlns:p="http://schemas.openxmlformats.org/presentationml/2006/main">
   <p:cSld>
     <p:spTree>
@@ -7711,144 +8315,7 @@
 </p:sld>
 </file>
 
-<file path=ppt/slides/slide2.xml><?xml version="1.0" encoding="utf-8"?>
-<p:sld xmlns:a="http://schemas.openxmlformats.org/drawingml/2006/main" xmlns:r="http://schemas.openxmlformats.org/officeDocument/2006/relationships" xmlns:p="http://schemas.openxmlformats.org/presentationml/2006/main">
-  <p:cSld>
-    <p:spTree>
-      <p:nvGrpSpPr>
-        <p:cNvPr id="1" name=""/>
-        <p:cNvGrpSpPr/>
-        <p:nvPr/>
-      </p:nvGrpSpPr>
-      <p:grpSpPr>
-        <a:xfrm>
-          <a:off x="0" y="0"/>
-          <a:ext cx="0" cy="0"/>
-          <a:chOff x="0" y="0"/>
-          <a:chExt cx="0" cy="0"/>
-        </a:xfrm>
-      </p:grpSpPr>
-      <p:sp>
-        <p:nvSpPr>
-          <p:cNvPr id="13" name="Title 12"/>
-          <p:cNvSpPr>
-            <a:spLocks noGrp="1"/>
-          </p:cNvSpPr>
-          <p:nvPr>
-            <p:ph type="title"/>
-          </p:nvPr>
-        </p:nvSpPr>
-        <p:spPr>
-          <a:xfrm>
-            <a:off x="1979612" y="381000"/>
-            <a:ext cx="9144001" cy="1143000"/>
-          </a:xfrm>
-        </p:spPr>
-        <p:txBody>
-          <a:bodyPr anchor="t">
-            <a:noAutofit/>
-          </a:bodyPr>
-          <a:lstStyle/>
-          <a:p>
-            <a:r>
-              <a:rPr lang="en-US" dirty="0" smtClean="0"/>
-              <a:t>Containers </a:t>
-            </a:r>
-            <a:r>
-              <a:rPr lang="en-US" dirty="0" smtClean="0">
-                <a:effectLst>
-                  <a:glow rad="139700">
-                    <a:schemeClr val="accent1">
-                      <a:satMod val="175000"/>
-                      <a:alpha val="40000"/>
-                    </a:schemeClr>
-                  </a:glow>
-                </a:effectLst>
-              </a:rPr>
-              <a:t>Demystified</a:t>
-            </a:r>
-            <a:r>
-              <a:rPr lang="en-US" dirty="0" smtClean="0"/>
-              <a:t>: The why, and the what</a:t>
-            </a:r>
-            <a:endParaRPr lang="en-US" dirty="0"/>
-          </a:p>
-        </p:txBody>
-      </p:sp>
-      <p:sp>
-        <p:nvSpPr>
-          <p:cNvPr id="14" name="Content Placeholder 13"/>
-          <p:cNvSpPr>
-            <a:spLocks noGrp="1"/>
-          </p:cNvSpPr>
-          <p:nvPr>
-            <p:ph idx="1"/>
-          </p:nvPr>
-        </p:nvSpPr>
-        <p:spPr/>
-        <p:txBody>
-          <a:bodyPr/>
-          <a:lstStyle/>
-          <a:p>
-            <a:r>
-              <a:rPr lang="en-US" dirty="0" smtClean="0"/>
-              <a:t>Why do we need containers for building and shipping applications?</a:t>
-            </a:r>
-          </a:p>
-          <a:p>
-            <a:r>
-              <a:rPr lang="en-US" dirty="0" smtClean="0"/>
-              <a:t>What are containers?  This problem has been solved a myriad of different ways, what makes Docker and similar technologies different?</a:t>
-            </a:r>
-          </a:p>
-          <a:p>
-            <a:r>
-              <a:rPr lang="en-US" dirty="0" smtClean="0"/>
-              <a:t>How do you use containers? When do you use containers?</a:t>
-            </a:r>
-          </a:p>
-          <a:p>
-            <a:r>
-              <a:rPr lang="en-US" dirty="0" smtClean="0"/>
-              <a:t>Are you tired of the word “containers” yet?  You will be.</a:t>
-            </a:r>
-            <a:endParaRPr lang="en-US" dirty="0"/>
-          </a:p>
-        </p:txBody>
-      </p:sp>
-    </p:spTree>
-    <p:extLst>
-      <p:ext uri="{BB962C8B-B14F-4D97-AF65-F5344CB8AC3E}">
-        <p14:creationId xmlns:p14="http://schemas.microsoft.com/office/powerpoint/2010/main" val="3743687727"/>
-      </p:ext>
-    </p:extLst>
-  </p:cSld>
-  <p:clrMapOvr>
-    <a:masterClrMapping/>
-  </p:clrMapOvr>
-  <mc:AlternateContent xmlns:mc="http://schemas.openxmlformats.org/markup-compatibility/2006" xmlns:p14="http://schemas.microsoft.com/office/powerpoint/2010/main">
-    <mc:Choice Requires="p14">
-      <p:transition spd="med" p14:dur="700">
-        <p:fade/>
-      </p:transition>
-    </mc:Choice>
-    <mc:Fallback xmlns="">
-      <p:transition spd="med">
-        <p:fade/>
-      </p:transition>
-    </mc:Fallback>
-  </mc:AlternateContent>
-  <p:timing>
-    <p:tnLst>
-      <p:par>
-        <p:cTn id="1" dur="indefinite" restart="never" nodeType="tmRoot"/>
-      </p:par>
-    </p:tnLst>
-  </p:timing>
-</p:sld>
-</file>
-
-<file path=ppt/slides/slide20.xml><?xml version="1.0" encoding="utf-8"?>
+<file path=ppt/slides/slide21.xml><?xml version="1.0" encoding="utf-8"?>
 <p:sld xmlns:a="http://schemas.openxmlformats.org/drawingml/2006/main" xmlns:r="http://schemas.openxmlformats.org/officeDocument/2006/relationships" xmlns:p="http://schemas.openxmlformats.org/presentationml/2006/main">
   <p:cSld>
     <p:spTree>
@@ -7981,7 +8448,7 @@
 </p:sld>
 </file>
 
-<file path=ppt/slides/slide21.xml><?xml version="1.0" encoding="utf-8"?>
+<file path=ppt/slides/slide22.xml><?xml version="1.0" encoding="utf-8"?>
 <p:sld xmlns:a="http://schemas.openxmlformats.org/drawingml/2006/main" xmlns:r="http://schemas.openxmlformats.org/officeDocument/2006/relationships" xmlns:p="http://schemas.openxmlformats.org/presentationml/2006/main">
   <p:cSld>
     <p:spTree>
@@ -8114,7 +8581,7 @@
 </p:sld>
 </file>
 
-<file path=ppt/slides/slide22.xml><?xml version="1.0" encoding="utf-8"?>
+<file path=ppt/slides/slide23.xml><?xml version="1.0" encoding="utf-8"?>
 <p:sld xmlns:a="http://schemas.openxmlformats.org/drawingml/2006/main" xmlns:r="http://schemas.openxmlformats.org/officeDocument/2006/relationships" xmlns:p="http://schemas.openxmlformats.org/presentationml/2006/main">
   <p:cSld>
     <p:spTree>
